--- a/titles.pptx
+++ b/titles.pptx
@@ -6,6 +6,8 @@
   </p:sldMasterIdLst>
   <p:sldIdLst>
     <p:sldId id="256" r:id="rId2"/>
+    <p:sldId id="257" r:id="rId3"/>
+    <p:sldId id="258" r:id="rId4"/>
   </p:sldIdLst>
   <p:sldSz cx="12192000" cy="6858000"/>
   <p:notesSz cx="6858000" cy="9144000"/>
@@ -3382,7 +3384,90 @@
                 </a:pattFill>
                 <a:latin typeface="Acme" panose="02000706050000020004" pitchFamily="2" charset="0"/>
               </a:rPr>
-              <a:t>SET</a:t>
+              <a:t>COMBINA-TORICS</a:t>
+            </a:r>
+          </a:p>
+        </p:txBody>
+      </p:sp>
+    </p:spTree>
+    <p:extLst>
+      <p:ext uri="{BB962C8B-B14F-4D97-AF65-F5344CB8AC3E}">
+        <p14:creationId xmlns:p14="http://schemas.microsoft.com/office/powerpoint/2010/main" val="46737623"/>
+      </p:ext>
+    </p:extLst>
+  </p:cSld>
+  <p:clrMapOvr>
+    <a:masterClrMapping/>
+  </p:clrMapOvr>
+</p:sld>
+</file>
+
+<file path=ppt/slides/slide2.xml><?xml version="1.0" encoding="utf-8"?>
+<p:sld xmlns:a="http://schemas.openxmlformats.org/drawingml/2006/main" xmlns:r="http://schemas.openxmlformats.org/officeDocument/2006/relationships" xmlns:p="http://schemas.openxmlformats.org/presentationml/2006/main">
+  <p:cSld>
+    <p:spTree>
+      <p:nvGrpSpPr>
+        <p:cNvPr id="1" name=""/>
+        <p:cNvGrpSpPr/>
+        <p:nvPr/>
+      </p:nvGrpSpPr>
+      <p:grpSpPr>
+        <a:xfrm>
+          <a:off x="0" y="0"/>
+          <a:ext cx="0" cy="0"/>
+          <a:chOff x="0" y="0"/>
+          <a:chExt cx="0" cy="0"/>
+        </a:xfrm>
+      </p:grpSpPr>
+      <p:sp>
+        <p:nvSpPr>
+          <p:cNvPr id="4" name="TextBox 3">
+            <a:extLst>
+              <a:ext uri="{FF2B5EF4-FFF2-40B4-BE49-F238E27FC236}">
+                <a16:creationId xmlns:a16="http://schemas.microsoft.com/office/drawing/2014/main" id="{E6DF9493-BB8E-9641-0AB8-6ABD1C9B0489}"/>
+              </a:ext>
+            </a:extLst>
+          </p:cNvPr>
+          <p:cNvSpPr txBox="1"/>
+          <p:nvPr/>
+        </p:nvSpPr>
+        <p:spPr>
+          <a:xfrm>
+            <a:off x="0" y="243512"/>
+            <a:ext cx="12192000" cy="6370975"/>
+          </a:xfrm>
+          <a:prstGeom prst="rect">
+            <a:avLst/>
+          </a:prstGeom>
+          <a:solidFill>
+            <a:srgbClr val="D39F63"/>
+          </a:solidFill>
+        </p:spPr>
+        <p:txBody>
+          <a:bodyPr wrap="square" rtlCol="0">
+            <a:spAutoFit/>
+          </a:bodyPr>
+          <a:lstStyle/>
+          <a:p>
+            <a:pPr algn="ctr"/>
+            <a:r>
+              <a:rPr lang="en-US" sz="20400">
+                <a:ln w="101600">
+                  <a:solidFill>
+                    <a:srgbClr val="AF2727"/>
+                  </a:solidFill>
+                </a:ln>
+                <a:pattFill prst="wdUpDiag">
+                  <a:fgClr>
+                    <a:srgbClr val="AF2727"/>
+                  </a:fgClr>
+                  <a:bgClr>
+                    <a:srgbClr val="D39F63"/>
+                  </a:bgClr>
+                </a:pattFill>
+                <a:latin typeface="Acme" panose="02000706050000020004" pitchFamily="2" charset="0"/>
+              </a:rPr>
+              <a:t>NUMBER</a:t>
             </a:r>
           </a:p>
           <a:p>
@@ -3412,7 +3497,90 @@
     </p:spTree>
     <p:extLst>
       <p:ext uri="{BB962C8B-B14F-4D97-AF65-F5344CB8AC3E}">
-        <p14:creationId xmlns:p14="http://schemas.microsoft.com/office/powerpoint/2010/main" val="46737623"/>
+        <p14:creationId xmlns:p14="http://schemas.microsoft.com/office/powerpoint/2010/main" val="1353490332"/>
+      </p:ext>
+    </p:extLst>
+  </p:cSld>
+  <p:clrMapOvr>
+    <a:masterClrMapping/>
+  </p:clrMapOvr>
+</p:sld>
+</file>
+
+<file path=ppt/slides/slide3.xml><?xml version="1.0" encoding="utf-8"?>
+<p:sld xmlns:a="http://schemas.openxmlformats.org/drawingml/2006/main" xmlns:r="http://schemas.openxmlformats.org/officeDocument/2006/relationships" xmlns:p="http://schemas.openxmlformats.org/presentationml/2006/main">
+  <p:cSld>
+    <p:spTree>
+      <p:nvGrpSpPr>
+        <p:cNvPr id="1" name=""/>
+        <p:cNvGrpSpPr/>
+        <p:nvPr/>
+      </p:nvGrpSpPr>
+      <p:grpSpPr>
+        <a:xfrm>
+          <a:off x="0" y="0"/>
+          <a:ext cx="0" cy="0"/>
+          <a:chOff x="0" y="0"/>
+          <a:chExt cx="0" cy="0"/>
+        </a:xfrm>
+      </p:grpSpPr>
+      <p:sp>
+        <p:nvSpPr>
+          <p:cNvPr id="4" name="TextBox 3">
+            <a:extLst>
+              <a:ext uri="{FF2B5EF4-FFF2-40B4-BE49-F238E27FC236}">
+                <a16:creationId xmlns:a16="http://schemas.microsoft.com/office/drawing/2014/main" id="{E6DF9493-BB8E-9641-0AB8-6ABD1C9B0489}"/>
+              </a:ext>
+            </a:extLst>
+          </p:cNvPr>
+          <p:cNvSpPr txBox="1"/>
+          <p:nvPr/>
+        </p:nvSpPr>
+        <p:spPr>
+          <a:xfrm>
+            <a:off x="0" y="243512"/>
+            <a:ext cx="12192000" cy="3231654"/>
+          </a:xfrm>
+          <a:prstGeom prst="rect">
+            <a:avLst/>
+          </a:prstGeom>
+          <a:solidFill>
+            <a:srgbClr val="D39F63"/>
+          </a:solidFill>
+        </p:spPr>
+        <p:txBody>
+          <a:bodyPr wrap="square" rtlCol="0">
+            <a:spAutoFit/>
+          </a:bodyPr>
+          <a:lstStyle/>
+          <a:p>
+            <a:pPr algn="ctr"/>
+            <a:r>
+              <a:rPr lang="en-US" sz="20400">
+                <a:ln w="101600">
+                  <a:solidFill>
+                    <a:srgbClr val="AF2727"/>
+                  </a:solidFill>
+                </a:ln>
+                <a:pattFill prst="wdUpDiag">
+                  <a:fgClr>
+                    <a:srgbClr val="AF2727"/>
+                  </a:fgClr>
+                  <a:bgClr>
+                    <a:srgbClr val="D39F63"/>
+                  </a:bgClr>
+                </a:pattFill>
+                <a:latin typeface="Acme" panose="02000706050000020004" pitchFamily="2" charset="0"/>
+              </a:rPr>
+              <a:t>LOGIC</a:t>
+            </a:r>
+          </a:p>
+        </p:txBody>
+      </p:sp>
+    </p:spTree>
+    <p:extLst>
+      <p:ext uri="{BB962C8B-B14F-4D97-AF65-F5344CB8AC3E}">
+        <p14:creationId xmlns:p14="http://schemas.microsoft.com/office/powerpoint/2010/main" val="4024836476"/>
       </p:ext>
     </p:extLst>
   </p:cSld>

--- a/titles.pptx
+++ b/titles.pptx
@@ -7,7 +7,8 @@
   <p:sldIdLst>
     <p:sldId id="256" r:id="rId2"/>
     <p:sldId id="257" r:id="rId3"/>
-    <p:sldId id="258" r:id="rId4"/>
+    <p:sldId id="259" r:id="rId4"/>
+    <p:sldId id="258" r:id="rId5"/>
   </p:sldIdLst>
   <p:sldSz cx="12192000" cy="6858000"/>
   <p:notesSz cx="6858000" cy="9144000"/>
@@ -3539,6 +3540,111 @@
         <p:spPr>
           <a:xfrm>
             <a:off x="0" y="243512"/>
+            <a:ext cx="12192000" cy="6370975"/>
+          </a:xfrm>
+          <a:prstGeom prst="rect">
+            <a:avLst/>
+          </a:prstGeom>
+          <a:solidFill>
+            <a:srgbClr val="D39F63"/>
+          </a:solidFill>
+        </p:spPr>
+        <p:txBody>
+          <a:bodyPr wrap="square" rtlCol="0">
+            <a:spAutoFit/>
+          </a:bodyPr>
+          <a:lstStyle/>
+          <a:p>
+            <a:pPr algn="ctr"/>
+            <a:r>
+              <a:rPr lang="en-US" sz="20400">
+                <a:ln w="101600">
+                  <a:solidFill>
+                    <a:srgbClr val="AF2727"/>
+                  </a:solidFill>
+                </a:ln>
+                <a:pattFill prst="wdUpDiag">
+                  <a:fgClr>
+                    <a:srgbClr val="AF2727"/>
+                  </a:fgClr>
+                  <a:bgClr>
+                    <a:srgbClr val="D39F63"/>
+                  </a:bgClr>
+                </a:pattFill>
+                <a:latin typeface="Acme" panose="02000706050000020004" pitchFamily="2" charset="0"/>
+              </a:rPr>
+              <a:t>OTHER</a:t>
+            </a:r>
+          </a:p>
+          <a:p>
+            <a:pPr algn="ctr"/>
+            <a:r>
+              <a:rPr lang="en-US" sz="20400">
+                <a:ln w="101600">
+                  <a:solidFill>
+                    <a:srgbClr val="AF2727"/>
+                  </a:solidFill>
+                </a:ln>
+                <a:pattFill prst="wdUpDiag">
+                  <a:fgClr>
+                    <a:srgbClr val="AF2727"/>
+                  </a:fgClr>
+                  <a:bgClr>
+                    <a:srgbClr val="D39F63"/>
+                  </a:bgClr>
+                </a:pattFill>
+                <a:latin typeface="Acme" panose="02000706050000020004" pitchFamily="2" charset="0"/>
+              </a:rPr>
+              <a:t>STUFF</a:t>
+            </a:r>
+          </a:p>
+        </p:txBody>
+      </p:sp>
+    </p:spTree>
+    <p:extLst>
+      <p:ext uri="{BB962C8B-B14F-4D97-AF65-F5344CB8AC3E}">
+        <p14:creationId xmlns:p14="http://schemas.microsoft.com/office/powerpoint/2010/main" val="35031083"/>
+      </p:ext>
+    </p:extLst>
+  </p:cSld>
+  <p:clrMapOvr>
+    <a:masterClrMapping/>
+  </p:clrMapOvr>
+</p:sld>
+</file>
+
+<file path=ppt/slides/slide4.xml><?xml version="1.0" encoding="utf-8"?>
+<p:sld xmlns:a="http://schemas.openxmlformats.org/drawingml/2006/main" xmlns:r="http://schemas.openxmlformats.org/officeDocument/2006/relationships" xmlns:p="http://schemas.openxmlformats.org/presentationml/2006/main">
+  <p:cSld>
+    <p:spTree>
+      <p:nvGrpSpPr>
+        <p:cNvPr id="1" name=""/>
+        <p:cNvGrpSpPr/>
+        <p:nvPr/>
+      </p:nvGrpSpPr>
+      <p:grpSpPr>
+        <a:xfrm>
+          <a:off x="0" y="0"/>
+          <a:ext cx="0" cy="0"/>
+          <a:chOff x="0" y="0"/>
+          <a:chExt cx="0" cy="0"/>
+        </a:xfrm>
+      </p:grpSpPr>
+      <p:sp>
+        <p:nvSpPr>
+          <p:cNvPr id="4" name="TextBox 3">
+            <a:extLst>
+              <a:ext uri="{FF2B5EF4-FFF2-40B4-BE49-F238E27FC236}">
+                <a16:creationId xmlns:a16="http://schemas.microsoft.com/office/drawing/2014/main" id="{E6DF9493-BB8E-9641-0AB8-6ABD1C9B0489}"/>
+              </a:ext>
+            </a:extLst>
+          </p:cNvPr>
+          <p:cNvSpPr txBox="1"/>
+          <p:nvPr/>
+        </p:nvSpPr>
+        <p:spPr>
+          <a:xfrm>
+            <a:off x="0" y="243512"/>
             <a:ext cx="12192000" cy="3231654"/>
           </a:xfrm>
           <a:prstGeom prst="rect">

--- a/titles.pptx
+++ b/titles.pptx
@@ -262,7 +262,7 @@
           <a:p>
             <a:fld id="{8A5A131E-1AD7-49B3-A091-4E8FE3539C49}" type="datetimeFigureOut">
               <a:rPr lang="en-US" smtClean="0"/>
-              <a:t>6/13/2024</a:t>
+              <a:t>6/18/2024</a:t>
             </a:fld>
             <a:endParaRPr lang="en-US"/>
           </a:p>
@@ -460,7 +460,7 @@
           <a:p>
             <a:fld id="{8A5A131E-1AD7-49B3-A091-4E8FE3539C49}" type="datetimeFigureOut">
               <a:rPr lang="en-US" smtClean="0"/>
-              <a:t>6/13/2024</a:t>
+              <a:t>6/18/2024</a:t>
             </a:fld>
             <a:endParaRPr lang="en-US"/>
           </a:p>
@@ -668,7 +668,7 @@
           <a:p>
             <a:fld id="{8A5A131E-1AD7-49B3-A091-4E8FE3539C49}" type="datetimeFigureOut">
               <a:rPr lang="en-US" smtClean="0"/>
-              <a:t>6/13/2024</a:t>
+              <a:t>6/18/2024</a:t>
             </a:fld>
             <a:endParaRPr lang="en-US"/>
           </a:p>
@@ -866,7 +866,7 @@
           <a:p>
             <a:fld id="{8A5A131E-1AD7-49B3-A091-4E8FE3539C49}" type="datetimeFigureOut">
               <a:rPr lang="en-US" smtClean="0"/>
-              <a:t>6/13/2024</a:t>
+              <a:t>6/18/2024</a:t>
             </a:fld>
             <a:endParaRPr lang="en-US"/>
           </a:p>
@@ -1141,7 +1141,7 @@
           <a:p>
             <a:fld id="{8A5A131E-1AD7-49B3-A091-4E8FE3539C49}" type="datetimeFigureOut">
               <a:rPr lang="en-US" smtClean="0"/>
-              <a:t>6/13/2024</a:t>
+              <a:t>6/18/2024</a:t>
             </a:fld>
             <a:endParaRPr lang="en-US"/>
           </a:p>
@@ -1406,7 +1406,7 @@
           <a:p>
             <a:fld id="{8A5A131E-1AD7-49B3-A091-4E8FE3539C49}" type="datetimeFigureOut">
               <a:rPr lang="en-US" smtClean="0"/>
-              <a:t>6/13/2024</a:t>
+              <a:t>6/18/2024</a:t>
             </a:fld>
             <a:endParaRPr lang="en-US"/>
           </a:p>
@@ -1818,7 +1818,7 @@
           <a:p>
             <a:fld id="{8A5A131E-1AD7-49B3-A091-4E8FE3539C49}" type="datetimeFigureOut">
               <a:rPr lang="en-US" smtClean="0"/>
-              <a:t>6/13/2024</a:t>
+              <a:t>6/18/2024</a:t>
             </a:fld>
             <a:endParaRPr lang="en-US"/>
           </a:p>
@@ -1959,7 +1959,7 @@
           <a:p>
             <a:fld id="{8A5A131E-1AD7-49B3-A091-4E8FE3539C49}" type="datetimeFigureOut">
               <a:rPr lang="en-US" smtClean="0"/>
-              <a:t>6/13/2024</a:t>
+              <a:t>6/18/2024</a:t>
             </a:fld>
             <a:endParaRPr lang="en-US"/>
           </a:p>
@@ -2072,7 +2072,7 @@
           <a:p>
             <a:fld id="{8A5A131E-1AD7-49B3-A091-4E8FE3539C49}" type="datetimeFigureOut">
               <a:rPr lang="en-US" smtClean="0"/>
-              <a:t>6/13/2024</a:t>
+              <a:t>6/18/2024</a:t>
             </a:fld>
             <a:endParaRPr lang="en-US"/>
           </a:p>
@@ -2383,7 +2383,7 @@
           <a:p>
             <a:fld id="{8A5A131E-1AD7-49B3-A091-4E8FE3539C49}" type="datetimeFigureOut">
               <a:rPr lang="en-US" smtClean="0"/>
-              <a:t>6/13/2024</a:t>
+              <a:t>6/18/2024</a:t>
             </a:fld>
             <a:endParaRPr lang="en-US"/>
           </a:p>
@@ -2671,7 +2671,7 @@
           <a:p>
             <a:fld id="{8A5A131E-1AD7-49B3-A091-4E8FE3539C49}" type="datetimeFigureOut">
               <a:rPr lang="en-US" smtClean="0"/>
-              <a:t>6/13/2024</a:t>
+              <a:t>6/18/2024</a:t>
             </a:fld>
             <a:endParaRPr lang="en-US"/>
           </a:p>
@@ -2912,7 +2912,7 @@
           <a:p>
             <a:fld id="{8A5A131E-1AD7-49B3-A091-4E8FE3539C49}" type="datetimeFigureOut">
               <a:rPr lang="en-US" smtClean="0"/>
-              <a:t>6/13/2024</a:t>
+              <a:t>6/18/2024</a:t>
             </a:fld>
             <a:endParaRPr lang="en-US"/>
           </a:p>

--- a/titles.pptx
+++ b/titles.pptx
@@ -262,7 +262,7 @@
           <a:p>
             <a:fld id="{8A5A131E-1AD7-49B3-A091-4E8FE3539C49}" type="datetimeFigureOut">
               <a:rPr lang="en-US" smtClean="0"/>
-              <a:t>6/18/2024</a:t>
+              <a:t>3/7/2025</a:t>
             </a:fld>
             <a:endParaRPr lang="en-US"/>
           </a:p>
@@ -460,7 +460,7 @@
           <a:p>
             <a:fld id="{8A5A131E-1AD7-49B3-A091-4E8FE3539C49}" type="datetimeFigureOut">
               <a:rPr lang="en-US" smtClean="0"/>
-              <a:t>6/18/2024</a:t>
+              <a:t>3/7/2025</a:t>
             </a:fld>
             <a:endParaRPr lang="en-US"/>
           </a:p>
@@ -668,7 +668,7 @@
           <a:p>
             <a:fld id="{8A5A131E-1AD7-49B3-A091-4E8FE3539C49}" type="datetimeFigureOut">
               <a:rPr lang="en-US" smtClean="0"/>
-              <a:t>6/18/2024</a:t>
+              <a:t>3/7/2025</a:t>
             </a:fld>
             <a:endParaRPr lang="en-US"/>
           </a:p>
@@ -866,7 +866,7 @@
           <a:p>
             <a:fld id="{8A5A131E-1AD7-49B3-A091-4E8FE3539C49}" type="datetimeFigureOut">
               <a:rPr lang="en-US" smtClean="0"/>
-              <a:t>6/18/2024</a:t>
+              <a:t>3/7/2025</a:t>
             </a:fld>
             <a:endParaRPr lang="en-US"/>
           </a:p>
@@ -1141,7 +1141,7 @@
           <a:p>
             <a:fld id="{8A5A131E-1AD7-49B3-A091-4E8FE3539C49}" type="datetimeFigureOut">
               <a:rPr lang="en-US" smtClean="0"/>
-              <a:t>6/18/2024</a:t>
+              <a:t>3/7/2025</a:t>
             </a:fld>
             <a:endParaRPr lang="en-US"/>
           </a:p>
@@ -1406,7 +1406,7 @@
           <a:p>
             <a:fld id="{8A5A131E-1AD7-49B3-A091-4E8FE3539C49}" type="datetimeFigureOut">
               <a:rPr lang="en-US" smtClean="0"/>
-              <a:t>6/18/2024</a:t>
+              <a:t>3/7/2025</a:t>
             </a:fld>
             <a:endParaRPr lang="en-US"/>
           </a:p>
@@ -1818,7 +1818,7 @@
           <a:p>
             <a:fld id="{8A5A131E-1AD7-49B3-A091-4E8FE3539C49}" type="datetimeFigureOut">
               <a:rPr lang="en-US" smtClean="0"/>
-              <a:t>6/18/2024</a:t>
+              <a:t>3/7/2025</a:t>
             </a:fld>
             <a:endParaRPr lang="en-US"/>
           </a:p>
@@ -1959,7 +1959,7 @@
           <a:p>
             <a:fld id="{8A5A131E-1AD7-49B3-A091-4E8FE3539C49}" type="datetimeFigureOut">
               <a:rPr lang="en-US" smtClean="0"/>
-              <a:t>6/18/2024</a:t>
+              <a:t>3/7/2025</a:t>
             </a:fld>
             <a:endParaRPr lang="en-US"/>
           </a:p>
@@ -2072,7 +2072,7 @@
           <a:p>
             <a:fld id="{8A5A131E-1AD7-49B3-A091-4E8FE3539C49}" type="datetimeFigureOut">
               <a:rPr lang="en-US" smtClean="0"/>
-              <a:t>6/18/2024</a:t>
+              <a:t>3/7/2025</a:t>
             </a:fld>
             <a:endParaRPr lang="en-US"/>
           </a:p>
@@ -2383,7 +2383,7 @@
           <a:p>
             <a:fld id="{8A5A131E-1AD7-49B3-A091-4E8FE3539C49}" type="datetimeFigureOut">
               <a:rPr lang="en-US" smtClean="0"/>
-              <a:t>6/18/2024</a:t>
+              <a:t>3/7/2025</a:t>
             </a:fld>
             <a:endParaRPr lang="en-US"/>
           </a:p>
@@ -2671,7 +2671,7 @@
           <a:p>
             <a:fld id="{8A5A131E-1AD7-49B3-A091-4E8FE3539C49}" type="datetimeFigureOut">
               <a:rPr lang="en-US" smtClean="0"/>
-              <a:t>6/18/2024</a:t>
+              <a:t>3/7/2025</a:t>
             </a:fld>
             <a:endParaRPr lang="en-US"/>
           </a:p>
@@ -2912,7 +2912,7 @@
           <a:p>
             <a:fld id="{8A5A131E-1AD7-49B3-A091-4E8FE3539C49}" type="datetimeFigureOut">
               <a:rPr lang="en-US" smtClean="0"/>
-              <a:t>6/18/2024</a:t>
+              <a:t>3/7/2025</a:t>
             </a:fld>
             <a:endParaRPr lang="en-US"/>
           </a:p>
@@ -3490,7 +3490,7 @@
                 </a:pattFill>
                 <a:latin typeface="Acme" panose="02000706050000020004" pitchFamily="2" charset="0"/>
               </a:rPr>
-              <a:t>THEORY</a:t>
+              <a:t>THEORY 2</a:t>
             </a:r>
           </a:p>
         </p:txBody>
